--- a/수업자료/6. 레이아웃.pptx
+++ b/수업자료/6. 레이아웃.pptx
@@ -8553,10 +8553,10 @@
               <a:buChar char="∙"/>
             </a:pPr>
             <a:r>
-              <a:rPr lang="en-US" b="1"/>
+              <a:rPr lang="en-US" b="1" dirty="0"/>
               <a:t>정적 위치 설정(static positioning)</a:t>
             </a:r>
-            <a:endParaRPr/>
+            <a:endParaRPr dirty="0"/>
           </a:p>
           <a:p>
             <a:pPr marL="965359" lvl="1" indent="-371292" algn="l" rtl="0">
@@ -8570,10 +8570,10 @@
               <a:buChar char="∙"/>
             </a:pPr>
             <a:r>
-              <a:rPr lang="en-US"/>
+              <a:rPr lang="en-US" dirty="0"/>
               <a:t>블록 요소들은 박스처럼 상하로 쌓이게 되고 인라인 요소들은 한 줄에 차례대로 배치</a:t>
             </a:r>
-            <a:endParaRPr/>
+            <a:endParaRPr dirty="0"/>
           </a:p>
         </p:txBody>
       </p:sp>
@@ -14664,7 +14664,7 @@
               <a:buNone/>
             </a:pPr>
             <a:r>
-              <a:rPr lang="en-US" sz="2339" b="1">
+              <a:rPr lang="en-US" sz="2339" b="1" dirty="0">
                 <a:solidFill>
                   <a:schemeClr val="dk1"/>
                 </a:solidFill>
@@ -14675,7 +14675,7 @@
               </a:rPr>
               <a:t>&lt;!DOCTYPE html&gt;</a:t>
             </a:r>
-            <a:endParaRPr/>
+            <a:endParaRPr dirty="0"/>
           </a:p>
           <a:p>
             <a:pPr marL="0" marR="0" lvl="0" indent="0" algn="l" rtl="0">
@@ -14693,7 +14693,7 @@
               <a:buNone/>
             </a:pPr>
             <a:r>
-              <a:rPr lang="en-US" sz="2339" b="1">
+              <a:rPr lang="en-US" sz="2339" b="1" dirty="0">
                 <a:solidFill>
                   <a:schemeClr val="dk1"/>
                 </a:solidFill>
@@ -14704,7 +14704,7 @@
               </a:rPr>
               <a:t>&lt;html&gt;</a:t>
             </a:r>
-            <a:endParaRPr/>
+            <a:endParaRPr dirty="0"/>
           </a:p>
           <a:p>
             <a:pPr marL="0" marR="0" lvl="0" indent="0" algn="l" rtl="0">
@@ -14722,7 +14722,7 @@
               <a:buNone/>
             </a:pPr>
             <a:r>
-              <a:rPr lang="en-US" sz="2339" b="1">
+              <a:rPr lang="en-US" sz="2339" b="1" dirty="0">
                 <a:solidFill>
                   <a:schemeClr val="dk1"/>
                 </a:solidFill>
@@ -14733,7 +14733,7 @@
               </a:rPr>
               <a:t>&lt;head&gt;</a:t>
             </a:r>
-            <a:endParaRPr/>
+            <a:endParaRPr dirty="0"/>
           </a:p>
           <a:p>
             <a:pPr marL="0" marR="0" lvl="0" indent="0" algn="l" rtl="0">
@@ -14751,7 +14751,7 @@
               <a:buNone/>
             </a:pPr>
             <a:r>
-              <a:rPr lang="en-US" sz="2339" b="1">
+              <a:rPr lang="en-US" sz="2339" b="1" dirty="0">
                 <a:solidFill>
                   <a:schemeClr val="dk1"/>
                 </a:solidFill>
@@ -14762,7 +14762,7 @@
               </a:rPr>
               <a:t>&lt;style&gt;</a:t>
             </a:r>
-            <a:endParaRPr/>
+            <a:endParaRPr dirty="0"/>
           </a:p>
           <a:p>
             <a:pPr marL="0" marR="0" lvl="0" indent="0" algn="l" rtl="0">
@@ -14780,7 +14780,7 @@
               <a:buNone/>
             </a:pPr>
             <a:r>
-              <a:rPr lang="en-US" sz="2339" b="1">
+              <a:rPr lang="en-US" sz="2339" b="1" dirty="0">
                 <a:solidFill>
                   <a:schemeClr val="dk1"/>
                 </a:solidFill>
@@ -14791,7 +14791,7 @@
               </a:rPr>
               <a:t>img {position: absolute; left: 0px; top: 0px; z-index: -1; }</a:t>
             </a:r>
-            <a:endParaRPr/>
+            <a:endParaRPr dirty="0"/>
           </a:p>
           <a:p>
             <a:pPr marL="0" marR="0" lvl="0" indent="0" algn="l" rtl="0">
@@ -14809,7 +14809,7 @@
               <a:buNone/>
             </a:pPr>
             <a:r>
-              <a:rPr lang="en-US" sz="2339" b="1">
+              <a:rPr lang="en-US" sz="2339" b="1" dirty="0">
                 <a:solidFill>
                   <a:schemeClr val="dk1"/>
                 </a:solidFill>
@@ -14820,7 +14820,7 @@
               </a:rPr>
               <a:t>&lt;/style&gt;</a:t>
             </a:r>
-            <a:endParaRPr/>
+            <a:endParaRPr dirty="0"/>
           </a:p>
           <a:p>
             <a:pPr marL="0" marR="0" lvl="0" indent="0" algn="l" rtl="0">
@@ -14838,7 +14838,7 @@
               <a:buNone/>
             </a:pPr>
             <a:r>
-              <a:rPr lang="en-US" sz="2339" b="1">
+              <a:rPr lang="en-US" sz="2339" b="1" dirty="0">
                 <a:solidFill>
                   <a:schemeClr val="dk1"/>
                 </a:solidFill>
@@ -14849,7 +14849,7 @@
               </a:rPr>
               <a:t>&lt;/head&gt;</a:t>
             </a:r>
-            <a:endParaRPr/>
+            <a:endParaRPr dirty="0"/>
           </a:p>
           <a:p>
             <a:pPr marL="0" marR="0" lvl="0" indent="0" algn="l" rtl="0">
@@ -14867,7 +14867,7 @@
               <a:buNone/>
             </a:pPr>
             <a:r>
-              <a:rPr lang="en-US" sz="2339" b="1">
+              <a:rPr lang="en-US" sz="2339" b="1" dirty="0">
                 <a:solidFill>
                   <a:schemeClr val="dk1"/>
                 </a:solidFill>
@@ -14878,7 +14878,7 @@
               </a:rPr>
               <a:t>&lt;body&gt;</a:t>
             </a:r>
-            <a:endParaRPr/>
+            <a:endParaRPr dirty="0"/>
           </a:p>
           <a:p>
             <a:pPr marL="0" marR="0" lvl="0" indent="0" algn="l" rtl="0">
@@ -14896,7 +14896,7 @@
               <a:buNone/>
             </a:pPr>
             <a:r>
-              <a:rPr lang="en-US" sz="2339" b="1">
+              <a:rPr lang="en-US" sz="2339" b="1" dirty="0">
                 <a:solidFill>
                   <a:schemeClr val="dk1"/>
                 </a:solidFill>
@@ -14907,7 +14907,7 @@
               </a:rPr>
               <a:t>    &lt;img src="pome.png" width="200" height="200" /&gt;</a:t>
             </a:r>
-            <a:endParaRPr/>
+            <a:endParaRPr dirty="0"/>
           </a:p>
           <a:p>
             <a:pPr marL="0" marR="0" lvl="0" indent="0" algn="l" rtl="0">
@@ -14925,7 +14925,7 @@
               <a:buNone/>
             </a:pPr>
             <a:r>
-              <a:rPr lang="en-US" sz="2339" b="1">
+              <a:rPr lang="en-US" sz="2339" b="1" dirty="0">
                 <a:solidFill>
                   <a:schemeClr val="dk1"/>
                 </a:solidFill>
@@ -14936,7 +14936,7 @@
               </a:rPr>
               <a:t>    &lt;p&gt;img 요소의 z-index가 -1이므로 다른 요소의 뒤에 위치한다. &lt;/p&gt;</a:t>
             </a:r>
-            <a:endParaRPr/>
+            <a:endParaRPr dirty="0"/>
           </a:p>
           <a:p>
             <a:pPr marL="0" marR="0" lvl="0" indent="0" algn="l" rtl="0">
@@ -14954,7 +14954,7 @@
               <a:buNone/>
             </a:pPr>
             <a:r>
-              <a:rPr lang="en-US" sz="2339" b="1">
+              <a:rPr lang="en-US" sz="2339" b="1" dirty="0">
                 <a:solidFill>
                   <a:schemeClr val="dk1"/>
                 </a:solidFill>
@@ -14965,7 +14965,7 @@
               </a:rPr>
               <a:t>&lt;/body&gt;</a:t>
             </a:r>
-            <a:endParaRPr/>
+            <a:endParaRPr dirty="0"/>
           </a:p>
           <a:p>
             <a:pPr marL="0" marR="0" lvl="0" indent="0" algn="l" rtl="0">
@@ -14983,7 +14983,7 @@
               <a:buNone/>
             </a:pPr>
             <a:r>
-              <a:rPr lang="en-US" sz="2339" b="1">
+              <a:rPr lang="en-US" sz="2339" b="1" dirty="0">
                 <a:solidFill>
                   <a:schemeClr val="dk1"/>
                 </a:solidFill>
@@ -14994,7 +14994,7 @@
               </a:rPr>
               <a:t>&lt;/html&gt;</a:t>
             </a:r>
-            <a:endParaRPr/>
+            <a:endParaRPr dirty="0"/>
           </a:p>
         </p:txBody>
       </p:sp>
@@ -17940,10 +17940,30 @@
               <a:buNone/>
             </a:pPr>
             <a:r>
-              <a:rPr lang="en-US"/>
-              <a:t>시맨틱 요소</a:t>
-            </a:r>
-            <a:endParaRPr/>
+              <a:rPr lang="en-US" b="1" dirty="0"/>
+              <a:t>시맨틱 </a:t>
+            </a:r>
+            <a:r>
+              <a:rPr lang="en-US" b="1" dirty="0" smtClean="0"/>
+              <a:t>요소 </a:t>
+            </a:r>
+            <a:r>
+              <a:rPr lang="en-US" dirty="0" smtClean="0"/>
+              <a:t>(</a:t>
+            </a:r>
+            <a:r>
+              <a:rPr lang="ko-KR" altLang="en-US" dirty="0" err="1" smtClean="0"/>
+              <a:t>의미있는</a:t>
+            </a:r>
+            <a:r>
+              <a:rPr lang="ko-KR" altLang="en-US" dirty="0" smtClean="0"/>
+              <a:t> 요소</a:t>
+            </a:r>
+            <a:r>
+              <a:rPr lang="en-US" altLang="ko-KR" dirty="0" smtClean="0"/>
+              <a:t>)</a:t>
+            </a:r>
+            <a:endParaRPr dirty="0"/>
           </a:p>
         </p:txBody>
       </p:sp>
@@ -17955,7 +17975,7 @@
         </p:nvGraphicFramePr>
         <p:xfrm>
           <a:off x="542692" y="1745684"/>
-          <a:ext cx="3000000" cy="3000000"/>
+          <a:ext cx="10768600" cy="5208525"/>
         </p:xfrm>
         <a:graphic>
           <a:graphicData uri="http://schemas.openxmlformats.org/drawingml/2006/table">

--- a/수업자료/6. 레이아웃.pptx
+++ b/수업자료/6. 레이아웃.pptx
@@ -304,7 +304,7 @@
       </p15:notesGuideLst>
     </p:ext>
     <p:ext uri="http://customooxmlschemas.google.com/">
-      <go:slidesCustomData xmlns:go="http://customooxmlschemas.google.com/" xmlns:ahyp="http://schemas.microsoft.com/office/drawing/2018/hyperlinkcolor" xmlns:p15="http://schemas.microsoft.com/office/powerpoint/2012/main" xmlns:p14="http://schemas.microsoft.com/office/powerpoint/2010/main" xmlns:com="http://schemas.openxmlformats.org/drawingml/2006/compatibility" xmlns:pvml="urn:schemas-microsoft-com:office:powerpoint" xmlns:v="urn:schemas-microsoft-com:vml" xmlns:o="urn:schemas-microsoft-com:office:office" xmlns:dgm="http://schemas.openxmlformats.org/drawingml/2006/diagram" xmlns:c="http://schemas.openxmlformats.org/drawingml/2006/chart" xmlns:mv="urn:schemas-microsoft-com:mac:vml" xmlns:mc="http://schemas.openxmlformats.org/markup-compatibility/2006" xmlns="" r:id="rId41" roundtripDataSignature="AMtx7mgjFjosEjCJIpTB0q1akofdHAg2gg=="/>
+      <go:slidesCustomData xmlns="" xmlns:mc="http://schemas.openxmlformats.org/markup-compatibility/2006" xmlns:mv="urn:schemas-microsoft-com:mac:vml" xmlns:c="http://schemas.openxmlformats.org/drawingml/2006/chart" xmlns:dgm="http://schemas.openxmlformats.org/drawingml/2006/diagram" xmlns:o="urn:schemas-microsoft-com:office:office" xmlns:v="urn:schemas-microsoft-com:vml" xmlns:pvml="urn:schemas-microsoft-com:office:powerpoint" xmlns:com="http://schemas.openxmlformats.org/drawingml/2006/compatibility" xmlns:p14="http://schemas.microsoft.com/office/powerpoint/2010/main" xmlns:p15="http://schemas.microsoft.com/office/powerpoint/2012/main" xmlns:ahyp="http://schemas.microsoft.com/office/drawing/2018/hyperlinkcolor" xmlns:go="http://customooxmlschemas.google.com/" r:id="rId41" roundtripDataSignature="AMtx7mgjFjosEjCJIpTB0q1akofdHAg2gg=="/>
     </p:ext>
   </p:extLst>
 </p:presentation>
@@ -19112,7 +19112,7 @@
           <a:noFill/>
           <a:ln w="76200" cap="flat" cmpd="sng">
             <a:solidFill>
-              <a:srgbClr val="0000FF"/>
+              <a:srgbClr val="E6E6E6"/>
             </a:solidFill>
             <a:prstDash val="solid"/>
             <a:miter lim="800000"/>
